--- a/cs460Final.pptx
+++ b/cs460Final.pptx
@@ -6978,19 +6978,7 @@
                 <a:cs typeface="Times New Roman"/>
                 <a:sym typeface="Times New Roman"/>
               </a:rPr>
-              <a:t>December </a:t>
-            </a:r>
-            <a:r>
-              <a:rPr lang="en-US" sz="2000" b="1" dirty="0" smtClean="0">
-                <a:solidFill>
-                  <a:srgbClr val="0070C0"/>
-                </a:solidFill>
-                <a:latin typeface="Times New Roman"/>
-                <a:ea typeface="Times New Roman"/>
-                <a:cs typeface="Times New Roman"/>
-                <a:sym typeface="Times New Roman"/>
-              </a:rPr>
-              <a:t>09</a:t>
+              <a:t>December 09</a:t>
             </a:r>
             <a:r>
               <a:rPr lang="en-US" sz="2000" b="1" cap="none" dirty="0" smtClean="0">
@@ -7631,7 +7619,7 @@
         </p:nvSpPr>
         <p:spPr>
           <a:xfrm>
-            <a:off x="977098" y="597092"/>
+            <a:off x="819701" y="1863760"/>
             <a:ext cx="7845778" cy="739754"/>
           </a:xfrm>
           <a:prstGeom prst="rect">
@@ -8112,7 +8100,7 @@
       </p:sp>
       <p:pic>
         <p:nvPicPr>
-          <p:cNvPr id="3" name="Picture 2"/>
+          <p:cNvPr id="2" name="Picture 1"/>
           <p:cNvPicPr>
             <a:picLocks noChangeAspect="1"/>
           </p:cNvPicPr>
@@ -8132,18 +8120,12 @@
         </p:blipFill>
         <p:spPr>
           <a:xfrm>
-            <a:off x="0" y="1422400"/>
-            <a:ext cx="9144000" cy="2284170"/>
+            <a:off x="0" y="88900"/>
+            <a:ext cx="9144000" cy="4962028"/>
           </a:xfrm>
           <a:prstGeom prst="rect">
             <a:avLst/>
           </a:prstGeom>
-          <a:ln>
-            <a:noFill/>
-          </a:ln>
-          <a:effectLst>
-            <a:softEdge rad="112500"/>
-          </a:effectLst>
         </p:spPr>
       </p:pic>
     </p:spTree>
@@ -8171,129 +8153,7 @@
   <p:timing>
     <p:tnLst>
       <p:par>
-        <p:cTn id="1" dur="indefinite" restart="never" nodeType="tmRoot">
-          <p:childTnLst>
-            <p:seq concurrent="1" nextAc="seek">
-              <p:cTn id="2" dur="indefinite" nodeType="mainSeq">
-                <p:childTnLst>
-                  <p:par>
-                    <p:cTn id="3" fill="hold">
-                      <p:stCondLst>
-                        <p:cond delay="indefinite"/>
-                      </p:stCondLst>
-                      <p:childTnLst>
-                        <p:par>
-                          <p:cTn id="4" fill="hold">
-                            <p:stCondLst>
-                              <p:cond delay="0"/>
-                            </p:stCondLst>
-                            <p:childTnLst>
-                              <p:par>
-                                <p:cTn id="5" presetID="55" presetClass="entr" presetSubtype="0" fill="hold" nodeType="clickEffect">
-                                  <p:stCondLst>
-                                    <p:cond delay="0"/>
-                                  </p:stCondLst>
-                                  <p:childTnLst>
-                                    <p:set>
-                                      <p:cBhvr>
-                                        <p:cTn id="6" dur="1" fill="hold">
-                                          <p:stCondLst>
-                                            <p:cond delay="0"/>
-                                          </p:stCondLst>
-                                        </p:cTn>
-                                        <p:tgtEl>
-                                          <p:spTgt spid="3"/>
-                                        </p:tgtEl>
-                                        <p:attrNameLst>
-                                          <p:attrName>style.visibility</p:attrName>
-                                        </p:attrNameLst>
-                                      </p:cBhvr>
-                                      <p:to>
-                                        <p:strVal val="visible"/>
-                                      </p:to>
-                                    </p:set>
-                                    <p:anim calcmode="lin" valueType="num">
-                                      <p:cBhvr>
-                                        <p:cTn id="7" dur="1000" fill="hold"/>
-                                        <p:tgtEl>
-                                          <p:spTgt spid="3"/>
-                                        </p:tgtEl>
-                                        <p:attrNameLst>
-                                          <p:attrName>ppt_w</p:attrName>
-                                        </p:attrNameLst>
-                                      </p:cBhvr>
-                                      <p:tavLst>
-                                        <p:tav tm="0">
-                                          <p:val>
-                                            <p:strVal val="#ppt_w*0.70"/>
-                                          </p:val>
-                                        </p:tav>
-                                        <p:tav tm="100000">
-                                          <p:val>
-                                            <p:strVal val="#ppt_w"/>
-                                          </p:val>
-                                        </p:tav>
-                                      </p:tavLst>
-                                    </p:anim>
-                                    <p:anim calcmode="lin" valueType="num">
-                                      <p:cBhvr>
-                                        <p:cTn id="8" dur="1000" fill="hold"/>
-                                        <p:tgtEl>
-                                          <p:spTgt spid="3"/>
-                                        </p:tgtEl>
-                                        <p:attrNameLst>
-                                          <p:attrName>ppt_h</p:attrName>
-                                        </p:attrNameLst>
-                                      </p:cBhvr>
-                                      <p:tavLst>
-                                        <p:tav tm="0">
-                                          <p:val>
-                                            <p:strVal val="#ppt_h"/>
-                                          </p:val>
-                                        </p:tav>
-                                        <p:tav tm="100000">
-                                          <p:val>
-                                            <p:strVal val="#ppt_h"/>
-                                          </p:val>
-                                        </p:tav>
-                                      </p:tavLst>
-                                    </p:anim>
-                                    <p:animEffect transition="in" filter="fade">
-                                      <p:cBhvr>
-                                        <p:cTn id="9" dur="1000"/>
-                                        <p:tgtEl>
-                                          <p:spTgt spid="3"/>
-                                        </p:tgtEl>
-                                      </p:cBhvr>
-                                    </p:animEffect>
-                                  </p:childTnLst>
-                                </p:cTn>
-                              </p:par>
-                            </p:childTnLst>
-                          </p:cTn>
-                        </p:par>
-                      </p:childTnLst>
-                    </p:cTn>
-                  </p:par>
-                </p:childTnLst>
-              </p:cTn>
-              <p:prevCondLst>
-                <p:cond evt="onPrev" delay="0">
-                  <p:tgtEl>
-                    <p:sldTgt/>
-                  </p:tgtEl>
-                </p:cond>
-              </p:prevCondLst>
-              <p:nextCondLst>
-                <p:cond evt="onNext" delay="0">
-                  <p:tgtEl>
-                    <p:sldTgt/>
-                  </p:tgtEl>
-                </p:cond>
-              </p:nextCondLst>
-            </p:seq>
-          </p:childTnLst>
-        </p:cTn>
+        <p:cTn id="1" dur="indefinite" restart="never" nodeType="tmRoot"/>
       </p:par>
     </p:tnLst>
   </p:timing>
@@ -8427,6 +8287,49 @@
                 <a:srgbClr val="FFC000"/>
               </a:solidFill>
             </a:endParaRPr>
+          </a:p>
+        </p:txBody>
+      </p:sp>
+      <p:sp>
+        <p:nvSpPr>
+          <p:cNvPr id="4" name="TextBox 3"/>
+          <p:cNvSpPr txBox="1"/>
+          <p:nvPr/>
+        </p:nvSpPr>
+        <p:spPr>
+          <a:xfrm>
+            <a:off x="1319852" y="1453795"/>
+            <a:ext cx="6019253" cy="338554"/>
+          </a:xfrm>
+          <a:prstGeom prst="rect">
+            <a:avLst/>
+          </a:prstGeom>
+          <a:noFill/>
+        </p:spPr>
+        <p:txBody>
+          <a:bodyPr wrap="square" rtlCol="0">
+            <a:spAutoFit/>
+            <a:scene3d>
+              <a:camera prst="orthographicFront"/>
+              <a:lightRig rig="soft" dir="t">
+                <a:rot lat="0" lon="0" rev="15600000"/>
+              </a:lightRig>
+            </a:scene3d>
+            <a:sp3d extrusionH="57150" prstMaterial="softEdge">
+              <a:bevelT w="25400" h="38100"/>
+            </a:sp3d>
+          </a:bodyPr>
+          <a:lstStyle/>
+          <a:p>
+            <a:r>
+              <a:rPr lang="en-US" sz="1600" b="1" dirty="0">
+                <a:ln/>
+                <a:solidFill>
+                  <a:srgbClr val="FFC000"/>
+                </a:solidFill>
+              </a:rPr>
+              <a:t>https://aneesurrehman001.github.io/cs460_final</a:t>
+            </a:r>
           </a:p>
         </p:txBody>
       </p:sp>
@@ -8513,6 +8416,59 @@
                       </p:childTnLst>
                     </p:cTn>
                   </p:par>
+                  <p:par>
+                    <p:cTn id="8" fill="hold">
+                      <p:stCondLst>
+                        <p:cond delay="indefinite"/>
+                      </p:stCondLst>
+                      <p:childTnLst>
+                        <p:par>
+                          <p:cTn id="9" fill="hold">
+                            <p:stCondLst>
+                              <p:cond delay="0"/>
+                            </p:stCondLst>
+                            <p:childTnLst>
+                              <p:par>
+                                <p:cTn id="10" presetID="16" presetClass="entr" presetSubtype="21" fill="hold" grpId="0" nodeType="clickEffect">
+                                  <p:stCondLst>
+                                    <p:cond delay="0"/>
+                                  </p:stCondLst>
+                                  <p:childTnLst>
+                                    <p:set>
+                                      <p:cBhvr>
+                                        <p:cTn id="11" dur="1" fill="hold">
+                                          <p:stCondLst>
+                                            <p:cond delay="0"/>
+                                          </p:stCondLst>
+                                        </p:cTn>
+                                        <p:tgtEl>
+                                          <p:spTgt spid="4"/>
+                                        </p:tgtEl>
+                                        <p:attrNameLst>
+                                          <p:attrName>style.visibility</p:attrName>
+                                        </p:attrNameLst>
+                                      </p:cBhvr>
+                                      <p:to>
+                                        <p:strVal val="visible"/>
+                                      </p:to>
+                                    </p:set>
+                                    <p:animEffect transition="in" filter="barn(inVertical)">
+                                      <p:cBhvr>
+                                        <p:cTn id="12" dur="500"/>
+                                        <p:tgtEl>
+                                          <p:spTgt spid="4"/>
+                                        </p:tgtEl>
+                                      </p:cBhvr>
+                                    </p:animEffect>
+                                  </p:childTnLst>
+                                </p:cTn>
+                              </p:par>
+                            </p:childTnLst>
+                          </p:cTn>
+                        </p:par>
+                      </p:childTnLst>
+                    </p:cTn>
+                  </p:par>
                 </p:childTnLst>
               </p:cTn>
               <p:prevCondLst>
@@ -8536,6 +8492,7 @@
     </p:tnLst>
     <p:bldLst>
       <p:bldP spid="2" grpId="0"/>
+      <p:bldP spid="4" grpId="0"/>
     </p:bldLst>
   </p:timing>
 </p:sld>
